--- a/Teste Regressão.pptx
+++ b/Teste Regressão.pptx
@@ -272,7 +272,7 @@
           <a:p>
             <a:fld id="{C43A76A3-ADC8-4477-8FC1-B9DD55D84908}" type="datetime1">
               <a:rPr lang="en-US" smtClean="0"/>
-              <a:t>10/26/2025</a:t>
+              <a:t>10/27/2025</a:t>
             </a:fld>
             <a:endParaRPr lang="en-US" dirty="0"/>
           </a:p>
@@ -470,7 +470,7 @@
           <a:p>
             <a:fld id="{D6762538-DC4D-4667-96E5-B3278DDF8B12}" type="datetime1">
               <a:rPr lang="en-US" smtClean="0"/>
-              <a:t>10/26/2025</a:t>
+              <a:t>10/27/2025</a:t>
             </a:fld>
             <a:endParaRPr lang="en-US"/>
           </a:p>
@@ -678,7 +678,7 @@
           <a:p>
             <a:fld id="{05880548-5C08-4BE3-B63E-F2BB63B0B00C}" type="datetime1">
               <a:rPr lang="en-US" smtClean="0"/>
-              <a:t>10/26/2025</a:t>
+              <a:t>10/27/2025</a:t>
             </a:fld>
             <a:endParaRPr lang="en-US"/>
           </a:p>
@@ -876,7 +876,7 @@
           <a:p>
             <a:fld id="{DE7F49BE-398D-479A-8A7E-5DDBCA61EDCB}" type="datetime1">
               <a:rPr lang="en-US" smtClean="0"/>
-              <a:t>10/26/2025</a:t>
+              <a:t>10/27/2025</a:t>
             </a:fld>
             <a:endParaRPr lang="en-US"/>
           </a:p>
@@ -1152,7 +1152,7 @@
           <a:p>
             <a:fld id="{CCD0C193-4974-4A1F-9C63-07D595E30D66}" type="datetime1">
               <a:rPr lang="en-US" smtClean="0"/>
-              <a:t>10/26/2025</a:t>
+              <a:t>10/27/2025</a:t>
             </a:fld>
             <a:endParaRPr lang="en-US"/>
           </a:p>
@@ -1419,7 +1419,7 @@
           <a:p>
             <a:fld id="{701AA87F-28D4-4BF0-B81F-877A89DFD5AC}" type="datetime1">
               <a:rPr lang="en-US" smtClean="0"/>
-              <a:t>10/26/2025</a:t>
+              <a:t>10/27/2025</a:t>
             </a:fld>
             <a:endParaRPr lang="en-US"/>
           </a:p>
@@ -1833,7 +1833,7 @@
           <a:p>
             <a:fld id="{A8A9F1F3-208B-49A3-B337-9C8ACEB3E0E1}" type="datetime1">
               <a:rPr lang="en-US" smtClean="0"/>
-              <a:t>10/26/2025</a:t>
+              <a:t>10/27/2025</a:t>
             </a:fld>
             <a:endParaRPr lang="en-US"/>
           </a:p>
@@ -1980,7 +1980,7 @@
           <a:p>
             <a:fld id="{27AF6CA6-7293-4AA2-A0E0-A3BF4416E786}" type="datetime1">
               <a:rPr lang="en-US" smtClean="0"/>
-              <a:t>10/26/2025</a:t>
+              <a:t>10/27/2025</a:t>
             </a:fld>
             <a:endParaRPr lang="en-US"/>
           </a:p>
@@ -2093,7 +2093,7 @@
           <a:p>
             <a:fld id="{98D87016-7BCD-46FB-8EE3-AB6C369108B4}" type="datetime1">
               <a:rPr lang="en-US" smtClean="0"/>
-              <a:t>10/26/2025</a:t>
+              <a:t>10/27/2025</a:t>
             </a:fld>
             <a:endParaRPr lang="en-US"/>
           </a:p>
@@ -2412,7 +2412,7 @@
           <a:p>
             <a:fld id="{A1547011-1FFC-4EF8-9A2E-53B4AD2ADBD4}" type="datetime1">
               <a:rPr lang="en-US" smtClean="0"/>
-              <a:t>10/26/2025</a:t>
+              <a:t>10/27/2025</a:t>
             </a:fld>
             <a:endParaRPr lang="en-US"/>
           </a:p>
@@ -2707,7 +2707,7 @@
           <a:p>
             <a:fld id="{9562EB47-45B4-4EF5-A743-B4885DD2F060}" type="datetime1">
               <a:rPr lang="en-US" smtClean="0"/>
-              <a:t>10/26/2025</a:t>
+              <a:t>10/27/2025</a:t>
             </a:fld>
             <a:endParaRPr lang="en-US"/>
           </a:p>
@@ -4092,7 +4092,7 @@
           <a:p>
             <a:fld id="{4A8D24A4-5FEC-4062-8995-EB21925B3B40}" type="datetime1">
               <a:rPr lang="en-US" smtClean="0"/>
-              <a:t>10/26/2025</a:t>
+              <a:t>10/27/2025</a:t>
             </a:fld>
             <a:endParaRPr lang="en-US" sz="1000" dirty="0"/>
           </a:p>
@@ -6297,7 +6297,7 @@
             <a:r>
               <a:rPr lang="de-DE" dirty="0">
                 <a:solidFill>
-                  <a:srgbClr val="FFFFFF"/>
+                  <a:schemeClr val="bg1"/>
                 </a:solidFill>
                 <a:ea typeface="+mn-lt"/>
                 <a:cs typeface="+mn-lt"/>
@@ -6307,7 +6307,7 @@
             <a:r>
               <a:rPr lang="de-DE" dirty="0" err="1">
                 <a:solidFill>
-                  <a:srgbClr val="FFFFFF"/>
+                  <a:schemeClr val="bg1"/>
                 </a:solidFill>
                 <a:ea typeface="+mn-lt"/>
                 <a:cs typeface="+mn-lt"/>
@@ -6317,7 +6317,7 @@
             <a:r>
               <a:rPr lang="de-DE" dirty="0">
                 <a:solidFill>
-                  <a:srgbClr val="FFFFFF"/>
+                  <a:schemeClr val="bg1"/>
                 </a:solidFill>
                 <a:ea typeface="+mn-lt"/>
                 <a:cs typeface="+mn-lt"/>
@@ -6327,7 +6327,7 @@
             <a:r>
               <a:rPr lang="de-DE" dirty="0" err="1">
                 <a:solidFill>
-                  <a:srgbClr val="FFFFFF"/>
+                  <a:schemeClr val="bg1"/>
                 </a:solidFill>
                 <a:ea typeface="+mn-lt"/>
                 <a:cs typeface="+mn-lt"/>
@@ -6337,7 +6337,7 @@
             <a:r>
               <a:rPr lang="de-DE" dirty="0">
                 <a:solidFill>
-                  <a:srgbClr val="FFFFFF"/>
+                  <a:schemeClr val="bg1"/>
                 </a:solidFill>
                 <a:ea typeface="+mn-lt"/>
                 <a:cs typeface="+mn-lt"/>
@@ -6347,7 +6347,7 @@
             <a:r>
               <a:rPr lang="de-DE" dirty="0" err="1">
                 <a:solidFill>
-                  <a:srgbClr val="FFFFFF"/>
+                  <a:schemeClr val="bg1"/>
                 </a:solidFill>
                 <a:ea typeface="+mn-lt"/>
                 <a:cs typeface="+mn-lt"/>
@@ -6357,7 +6357,7 @@
             <a:r>
               <a:rPr lang="de-DE" dirty="0">
                 <a:solidFill>
-                  <a:srgbClr val="FFFFFF"/>
+                  <a:schemeClr val="bg1"/>
                 </a:solidFill>
                 <a:ea typeface="+mn-lt"/>
                 <a:cs typeface="+mn-lt"/>
@@ -6367,7 +6367,7 @@
             <a:r>
               <a:rPr lang="de-DE" dirty="0" err="1">
                 <a:solidFill>
-                  <a:srgbClr val="FFFFFF"/>
+                  <a:schemeClr val="bg1"/>
                 </a:solidFill>
                 <a:ea typeface="+mn-lt"/>
                 <a:cs typeface="+mn-lt"/>
@@ -6377,7 +6377,7 @@
             <a:r>
               <a:rPr lang="de-DE" dirty="0">
                 <a:solidFill>
-                  <a:srgbClr val="FFFFFF"/>
+                  <a:schemeClr val="bg1"/>
                 </a:solidFill>
                 <a:ea typeface="+mn-lt"/>
                 <a:cs typeface="+mn-lt"/>
@@ -6387,7 +6387,7 @@
             <a:r>
               <a:rPr lang="de-DE" dirty="0" err="1">
                 <a:solidFill>
-                  <a:srgbClr val="FFFFFF"/>
+                  <a:schemeClr val="bg1"/>
                 </a:solidFill>
                 <a:ea typeface="+mn-lt"/>
                 <a:cs typeface="+mn-lt"/>
@@ -6397,7 +6397,7 @@
             <a:r>
               <a:rPr lang="de-DE" dirty="0">
                 <a:solidFill>
-                  <a:srgbClr val="FFFFFF"/>
+                  <a:schemeClr val="bg1"/>
                 </a:solidFill>
                 <a:ea typeface="+mn-lt"/>
                 <a:cs typeface="+mn-lt"/>
@@ -6407,7 +6407,7 @@
             <a:r>
               <a:rPr lang="de-DE" dirty="0" err="1">
                 <a:solidFill>
-                  <a:srgbClr val="FFFFFF"/>
+                  <a:schemeClr val="bg1"/>
                 </a:solidFill>
                 <a:ea typeface="+mn-lt"/>
                 <a:cs typeface="+mn-lt"/>
@@ -6417,7 +6417,7 @@
             <a:r>
               <a:rPr lang="de-DE" dirty="0">
                 <a:solidFill>
-                  <a:srgbClr val="FFFFFF"/>
+                  <a:schemeClr val="bg1"/>
                 </a:solidFill>
                 <a:ea typeface="+mn-lt"/>
                 <a:cs typeface="+mn-lt"/>
@@ -6427,7 +6427,7 @@
             <a:r>
               <a:rPr lang="de-DE" dirty="0" err="1">
                 <a:solidFill>
-                  <a:srgbClr val="FFFFFF"/>
+                  <a:schemeClr val="bg1"/>
                 </a:solidFill>
                 <a:ea typeface="+mn-lt"/>
                 <a:cs typeface="+mn-lt"/>
@@ -6437,7 +6437,7 @@
             <a:r>
               <a:rPr lang="de-DE" dirty="0">
                 <a:solidFill>
-                  <a:srgbClr val="FFFFFF"/>
+                  <a:schemeClr val="bg1"/>
                 </a:solidFill>
                 <a:ea typeface="+mn-lt"/>
                 <a:cs typeface="+mn-lt"/>
@@ -6447,7 +6447,7 @@
             <a:r>
               <a:rPr lang="de-DE" dirty="0" err="1">
                 <a:solidFill>
-                  <a:srgbClr val="FFFFFF"/>
+                  <a:schemeClr val="bg1"/>
                 </a:solidFill>
                 <a:ea typeface="+mn-lt"/>
                 <a:cs typeface="+mn-lt"/>
@@ -6457,7 +6457,7 @@
             <a:r>
               <a:rPr lang="de-DE" dirty="0">
                 <a:solidFill>
-                  <a:srgbClr val="FFFFFF"/>
+                  <a:schemeClr val="bg1"/>
                 </a:solidFill>
                 <a:ea typeface="+mn-lt"/>
                 <a:cs typeface="+mn-lt"/>
@@ -6467,7 +6467,7 @@
             <a:r>
               <a:rPr lang="de-DE" dirty="0" err="1">
                 <a:solidFill>
-                  <a:srgbClr val="FFFFFF"/>
+                  <a:schemeClr val="bg1"/>
                 </a:solidFill>
                 <a:ea typeface="+mn-lt"/>
                 <a:cs typeface="+mn-lt"/>
@@ -6477,7 +6477,7 @@
             <a:r>
               <a:rPr lang="de-DE" dirty="0">
                 <a:solidFill>
-                  <a:srgbClr val="FFFFFF"/>
+                  <a:schemeClr val="bg1"/>
                 </a:solidFill>
                 <a:ea typeface="+mn-lt"/>
                 <a:cs typeface="+mn-lt"/>
@@ -6487,7 +6487,7 @@
             <a:r>
               <a:rPr lang="de-DE" dirty="0" err="1">
                 <a:solidFill>
-                  <a:srgbClr val="FFFFFF"/>
+                  <a:schemeClr val="bg1"/>
                 </a:solidFill>
                 <a:ea typeface="+mn-lt"/>
                 <a:cs typeface="+mn-lt"/>
@@ -6497,7 +6497,7 @@
             <a:r>
               <a:rPr lang="de-DE" dirty="0">
                 <a:solidFill>
-                  <a:srgbClr val="FFFFFF"/>
+                  <a:schemeClr val="bg1"/>
                 </a:solidFill>
                 <a:ea typeface="+mn-lt"/>
                 <a:cs typeface="+mn-lt"/>
@@ -6507,7 +6507,7 @@
             <a:r>
               <a:rPr lang="de-DE" dirty="0" err="1">
                 <a:solidFill>
-                  <a:srgbClr val="FFFFFF"/>
+                  <a:schemeClr val="bg1"/>
                 </a:solidFill>
                 <a:ea typeface="+mn-lt"/>
                 <a:cs typeface="+mn-lt"/>
@@ -6517,7 +6517,7 @@
             <a:r>
               <a:rPr lang="de-DE" dirty="0">
                 <a:solidFill>
-                  <a:srgbClr val="FFFFFF"/>
+                  <a:schemeClr val="bg1"/>
                 </a:solidFill>
                 <a:ea typeface="+mn-lt"/>
                 <a:cs typeface="+mn-lt"/>
@@ -6527,7 +6527,7 @@
             <a:r>
               <a:rPr lang="de-DE" dirty="0" err="1">
                 <a:solidFill>
-                  <a:srgbClr val="FFFFFF"/>
+                  <a:schemeClr val="bg1"/>
                 </a:solidFill>
                 <a:ea typeface="+mn-lt"/>
                 <a:cs typeface="+mn-lt"/>
@@ -6537,7 +6537,7 @@
             <a:r>
               <a:rPr lang="de-DE" dirty="0">
                 <a:solidFill>
-                  <a:srgbClr val="FFFFFF"/>
+                  <a:schemeClr val="bg1"/>
                 </a:solidFill>
                 <a:ea typeface="+mn-lt"/>
                 <a:cs typeface="+mn-lt"/>
@@ -6547,7 +6547,7 @@
             <a:r>
               <a:rPr lang="de-DE" dirty="0" err="1">
                 <a:solidFill>
-                  <a:srgbClr val="FFFFFF"/>
+                  <a:schemeClr val="bg1"/>
                 </a:solidFill>
                 <a:ea typeface="+mn-lt"/>
                 <a:cs typeface="+mn-lt"/>
@@ -6557,7 +6557,7 @@
             <a:r>
               <a:rPr lang="de-DE" dirty="0">
                 <a:solidFill>
-                  <a:srgbClr val="FFFFFF"/>
+                  <a:schemeClr val="bg1"/>
                 </a:solidFill>
                 <a:ea typeface="+mn-lt"/>
                 <a:cs typeface="+mn-lt"/>
@@ -6567,7 +6567,7 @@
             <a:r>
               <a:rPr lang="de-DE" dirty="0" err="1">
                 <a:solidFill>
-                  <a:srgbClr val="FFFFFF"/>
+                  <a:schemeClr val="bg1"/>
                 </a:solidFill>
                 <a:ea typeface="+mn-lt"/>
                 <a:cs typeface="+mn-lt"/>
@@ -6577,7 +6577,7 @@
             <a:r>
               <a:rPr lang="de-DE" dirty="0">
                 <a:solidFill>
-                  <a:srgbClr val="FFFFFF"/>
+                  <a:schemeClr val="bg1"/>
                 </a:solidFill>
                 <a:ea typeface="+mn-lt"/>
                 <a:cs typeface="+mn-lt"/>
@@ -6587,7 +6587,7 @@
             <a:r>
               <a:rPr lang="de-DE" dirty="0" err="1">
                 <a:solidFill>
-                  <a:srgbClr val="FFFFFF"/>
+                  <a:schemeClr val="bg1"/>
                 </a:solidFill>
                 <a:ea typeface="+mn-lt"/>
                 <a:cs typeface="+mn-lt"/>
@@ -6597,7 +6597,7 @@
             <a:r>
               <a:rPr lang="de-DE" dirty="0">
                 <a:solidFill>
-                  <a:srgbClr val="FFFFFF"/>
+                  <a:schemeClr val="bg1"/>
                 </a:solidFill>
                 <a:ea typeface="+mn-lt"/>
                 <a:cs typeface="+mn-lt"/>
@@ -6607,7 +6607,7 @@
             <a:r>
               <a:rPr lang="de-DE" dirty="0" err="1">
                 <a:solidFill>
-                  <a:srgbClr val="FFFFFF"/>
+                  <a:schemeClr val="bg1"/>
                 </a:solidFill>
                 <a:ea typeface="+mn-lt"/>
                 <a:cs typeface="+mn-lt"/>
@@ -6617,7 +6617,7 @@
             <a:r>
               <a:rPr lang="de-DE" dirty="0">
                 <a:solidFill>
-                  <a:srgbClr val="FFFFFF"/>
+                  <a:schemeClr val="bg1"/>
                 </a:solidFill>
                 <a:ea typeface="+mn-lt"/>
                 <a:cs typeface="+mn-lt"/>
@@ -6627,7 +6627,7 @@
             <a:r>
               <a:rPr lang="de-DE" dirty="0" err="1">
                 <a:solidFill>
-                  <a:srgbClr val="FFFFFF"/>
+                  <a:schemeClr val="bg1"/>
                 </a:solidFill>
                 <a:ea typeface="+mn-lt"/>
                 <a:cs typeface="+mn-lt"/>
@@ -6637,7 +6637,7 @@
             <a:r>
               <a:rPr lang="de-DE" dirty="0">
                 <a:solidFill>
-                  <a:srgbClr val="FFFFFF"/>
+                  <a:schemeClr val="bg1"/>
                 </a:solidFill>
                 <a:ea typeface="+mn-lt"/>
                 <a:cs typeface="+mn-lt"/>
@@ -6647,7 +6647,7 @@
             <a:r>
               <a:rPr lang="de-DE" dirty="0" err="1">
                 <a:solidFill>
-                  <a:srgbClr val="FFFFFF"/>
+                  <a:schemeClr val="bg1"/>
                 </a:solidFill>
                 <a:ea typeface="+mn-lt"/>
                 <a:cs typeface="+mn-lt"/>
@@ -6657,7 +6657,7 @@
             <a:r>
               <a:rPr lang="de-DE" dirty="0">
                 <a:solidFill>
-                  <a:srgbClr val="FFFFFF"/>
+                  <a:schemeClr val="bg1"/>
                 </a:solidFill>
                 <a:ea typeface="+mn-lt"/>
                 <a:cs typeface="+mn-lt"/>
@@ -6667,7 +6667,7 @@
             <a:r>
               <a:rPr lang="de-DE" dirty="0" err="1">
                 <a:solidFill>
-                  <a:srgbClr val="FFFFFF"/>
+                  <a:schemeClr val="bg1"/>
                 </a:solidFill>
                 <a:ea typeface="+mn-lt"/>
                 <a:cs typeface="+mn-lt"/>
@@ -6677,7 +6677,7 @@
             <a:r>
               <a:rPr lang="de-DE" dirty="0">
                 <a:solidFill>
-                  <a:srgbClr val="FFFFFF"/>
+                  <a:schemeClr val="bg1"/>
                 </a:solidFill>
                 <a:ea typeface="+mn-lt"/>
                 <a:cs typeface="+mn-lt"/>
@@ -6687,7 +6687,7 @@
             <a:r>
               <a:rPr lang="de-DE" dirty="0" err="1">
                 <a:solidFill>
-                  <a:srgbClr val="FFFFFF"/>
+                  <a:schemeClr val="bg1"/>
                 </a:solidFill>
                 <a:ea typeface="+mn-lt"/>
                 <a:cs typeface="+mn-lt"/>
@@ -6697,14 +6697,18 @@
             <a:r>
               <a:rPr lang="de-DE" dirty="0">
                 <a:solidFill>
-                  <a:srgbClr val="FFFFFF"/>
+                  <a:schemeClr val="bg1"/>
                 </a:solidFill>
                 <a:ea typeface="+mn-lt"/>
                 <a:cs typeface="+mn-lt"/>
               </a:rPr>
               <a:t>.</a:t>
             </a:r>
-            <a:endParaRPr lang="de-DE" dirty="0"/>
+            <a:endParaRPr lang="de-DE" dirty="0">
+              <a:solidFill>
+                <a:schemeClr val="bg1"/>
+              </a:solidFill>
+            </a:endParaRPr>
           </a:p>
         </p:txBody>
       </p:sp>
@@ -7525,20 +7529,64 @@
           </a:bodyPr>
           <a:lstStyle/>
           <a:p>
-            <a:endParaRPr lang="de-DE" dirty="0"/>
-          </a:p>
-          <a:p>
-            <a:r>
-              <a:rPr lang="de-DE" sz="2800">
-                <a:solidFill>
-                  <a:srgbClr val="FFFFFF"/>
-                </a:solidFill>
-                <a:ea typeface="Calibri"/>
-                <a:cs typeface="Calibri"/>
+            <a:r>
+              <a:rPr lang="pt-BR" u="sng" dirty="0">
+                <a:solidFill>
+                  <a:schemeClr val="bg1"/>
+                </a:solidFill>
               </a:rPr>
-              <a:t>Qualquer organização cujo código de computador receba atualizações consistentes provavelmente precisa implementar métodos de teste de regressão. As atualizações de código são tão difundidas que simplesmente não é possível obter um número total preciso com qualquer confiabilidade.</a:t>
-            </a:r>
-            <a:endParaRPr lang="de-DE" dirty="0"/>
+              <a:t>Organizações com atualizações frequentes de código precisam de testes de regressão.</a:t>
+            </a:r>
+            <a:br>
+              <a:rPr lang="pt-BR" u="sng" dirty="0">
+                <a:solidFill>
+                  <a:schemeClr val="bg1"/>
+                </a:solidFill>
+              </a:rPr>
+            </a:br>
+            <a:r>
+              <a:rPr lang="pt-BR" u="sng" dirty="0">
+                <a:solidFill>
+                  <a:schemeClr val="bg1"/>
+                </a:solidFill>
+              </a:rPr>
+              <a:t>Esses testes garantem que alterações não causem falhas em funcionalidades existentes.</a:t>
+            </a:r>
+            <a:br>
+              <a:rPr lang="pt-BR" u="sng" dirty="0">
+                <a:solidFill>
+                  <a:schemeClr val="bg1"/>
+                </a:solidFill>
+              </a:rPr>
+            </a:br>
+            <a:r>
+              <a:rPr lang="pt-BR" u="sng" dirty="0">
+                <a:solidFill>
+                  <a:schemeClr val="bg1"/>
+                </a:solidFill>
+              </a:rPr>
+              <a:t>Devido à frequência das atualizações, é difícil contabilizar todas mudanças com precisão.</a:t>
+            </a:r>
+            <a:br>
+              <a:rPr lang="pt-BR" u="sng" dirty="0">
+                <a:solidFill>
+                  <a:schemeClr val="bg1"/>
+                </a:solidFill>
+              </a:rPr>
+            </a:br>
+            <a:r>
+              <a:rPr lang="pt-BR" u="sng" dirty="0">
+                <a:solidFill>
+                  <a:schemeClr val="bg1"/>
+                </a:solidFill>
+              </a:rPr>
+              <a:t>O teste de regressão mantém a confiabilidade do software após modificações.</a:t>
+            </a:r>
+            <a:endParaRPr lang="de-DE" u="sng" dirty="0">
+              <a:solidFill>
+                <a:schemeClr val="bg1"/>
+              </a:solidFill>
+            </a:endParaRPr>
           </a:p>
         </p:txBody>
       </p:sp>
@@ -8422,889 +8470,61 @@
           </a:p>
           <a:p>
             <a:r>
-              <a:rPr lang="de-DE" dirty="0">
-                <a:solidFill>
-                  <a:srgbClr val="FFFFFF"/>
-                </a:solidFill>
-                <a:ea typeface="Calibri"/>
-                <a:cs typeface="Calibri"/>
+              <a:rPr lang="pt-BR" dirty="0">
+                <a:solidFill>
+                  <a:schemeClr val="bg1"/>
+                </a:solidFill>
               </a:rPr>
-              <a:t>Como </a:t>
-            </a:r>
-            <a:r>
-              <a:rPr lang="de-DE" dirty="0" err="1">
-                <a:solidFill>
-                  <a:srgbClr val="FFFFFF"/>
-                </a:solidFill>
-                <a:ea typeface="Calibri"/>
-                <a:cs typeface="Calibri"/>
+              <a:t>O teste de regressão de unidade foca em módulos individuais do sistema.</a:t>
+            </a:r>
+            <a:br>
+              <a:rPr lang="pt-BR" dirty="0">
+                <a:solidFill>
+                  <a:schemeClr val="bg1"/>
+                </a:solidFill>
               </a:rPr>
-              <a:t>seu</a:t>
-            </a:r>
-            <a:r>
-              <a:rPr lang="de-DE" dirty="0">
-                <a:solidFill>
-                  <a:srgbClr val="FFFFFF"/>
-                </a:solidFill>
-                <a:ea typeface="Calibri"/>
-                <a:cs typeface="Calibri"/>
+            </a:br>
+            <a:r>
+              <a:rPr lang="pt-BR" dirty="0">
+                <a:solidFill>
+                  <a:schemeClr val="bg1"/>
+                </a:solidFill>
               </a:rPr>
-              <a:t> </a:t>
-            </a:r>
-            <a:r>
-              <a:rPr lang="de-DE" dirty="0" err="1">
-                <a:solidFill>
-                  <a:srgbClr val="FFFFFF"/>
-                </a:solidFill>
-                <a:ea typeface="Calibri"/>
-                <a:cs typeface="Calibri"/>
+              <a:t>Verifica se alterações introduziram erros em uma unidade específica.</a:t>
+            </a:r>
+            <a:br>
+              <a:rPr lang="pt-BR" dirty="0">
+                <a:solidFill>
+                  <a:schemeClr val="bg1"/>
+                </a:solidFill>
               </a:rPr>
-              <a:t>nome</a:t>
-            </a:r>
-            <a:r>
-              <a:rPr lang="de-DE" dirty="0">
-                <a:solidFill>
-                  <a:srgbClr val="FFFFFF"/>
-                </a:solidFill>
-                <a:ea typeface="Calibri"/>
-                <a:cs typeface="Calibri"/>
+            </a:br>
+            <a:r>
+              <a:rPr lang="pt-BR" dirty="0">
+                <a:solidFill>
+                  <a:schemeClr val="bg1"/>
+                </a:solidFill>
               </a:rPr>
-              <a:t> </a:t>
-            </a:r>
-            <a:r>
-              <a:rPr lang="de-DE" dirty="0" err="1">
-                <a:solidFill>
-                  <a:srgbClr val="FFFFFF"/>
-                </a:solidFill>
-                <a:ea typeface="Calibri"/>
-                <a:cs typeface="Calibri"/>
+              <a:t>Exemplo: uma nova função não deve afetar o mecanismo de login existente.</a:t>
+            </a:r>
+            <a:br>
+              <a:rPr lang="pt-BR" dirty="0">
+                <a:solidFill>
+                  <a:schemeClr val="bg1"/>
+                </a:solidFill>
               </a:rPr>
-              <a:t>implica</a:t>
-            </a:r>
-            <a:r>
-              <a:rPr lang="de-DE" dirty="0">
-                <a:solidFill>
-                  <a:srgbClr val="FFFFFF"/>
-                </a:solidFill>
-                <a:ea typeface="Calibri"/>
-                <a:cs typeface="Calibri"/>
+            </a:br>
+            <a:r>
+              <a:rPr lang="pt-BR" dirty="0">
+                <a:solidFill>
+                  <a:schemeClr val="bg1"/>
+                </a:solidFill>
               </a:rPr>
-              <a:t>, </a:t>
-            </a:r>
-            <a:r>
-              <a:rPr lang="de-DE" dirty="0" err="1">
-                <a:solidFill>
-                  <a:srgbClr val="FFFFFF"/>
-                </a:solidFill>
-                <a:ea typeface="Calibri"/>
-                <a:cs typeface="Calibri"/>
-              </a:rPr>
-              <a:t>essa</a:t>
-            </a:r>
-            <a:r>
-              <a:rPr lang="de-DE" dirty="0">
-                <a:solidFill>
-                  <a:srgbClr val="FFFFFF"/>
-                </a:solidFill>
-                <a:ea typeface="Calibri"/>
-                <a:cs typeface="Calibri"/>
-              </a:rPr>
-              <a:t> forma de teste de </a:t>
-            </a:r>
-            <a:r>
-              <a:rPr lang="de-DE" dirty="0" err="1">
-                <a:solidFill>
-                  <a:srgbClr val="FFFFFF"/>
-                </a:solidFill>
-                <a:ea typeface="Calibri"/>
-                <a:cs typeface="Calibri"/>
-              </a:rPr>
-              <a:t>regressão</a:t>
-            </a:r>
-            <a:r>
-              <a:rPr lang="de-DE" dirty="0">
-                <a:solidFill>
-                  <a:srgbClr val="FFFFFF"/>
-                </a:solidFill>
-                <a:ea typeface="Calibri"/>
-                <a:cs typeface="Calibri"/>
-              </a:rPr>
-              <a:t> </a:t>
-            </a:r>
-            <a:r>
-              <a:rPr lang="de-DE" dirty="0" err="1">
-                <a:solidFill>
-                  <a:srgbClr val="FFFFFF"/>
-                </a:solidFill>
-                <a:ea typeface="Calibri"/>
-                <a:cs typeface="Calibri"/>
-              </a:rPr>
-              <a:t>concentra</a:t>
-            </a:r>
-            <a:r>
-              <a:rPr lang="de-DE" dirty="0">
-                <a:solidFill>
-                  <a:srgbClr val="FFFFFF"/>
-                </a:solidFill>
-                <a:ea typeface="Calibri"/>
-                <a:cs typeface="Calibri"/>
-              </a:rPr>
-              <a:t>-se nos </a:t>
-            </a:r>
-            <a:r>
-              <a:rPr lang="de-DE" dirty="0" err="1">
-                <a:solidFill>
-                  <a:srgbClr val="FFFFFF"/>
-                </a:solidFill>
-                <a:ea typeface="Calibri"/>
-                <a:cs typeface="Calibri"/>
-              </a:rPr>
-              <a:t>componentes</a:t>
-            </a:r>
-            <a:r>
-              <a:rPr lang="de-DE" dirty="0">
-                <a:solidFill>
-                  <a:srgbClr val="FFFFFF"/>
-                </a:solidFill>
-                <a:ea typeface="Calibri"/>
-                <a:cs typeface="Calibri"/>
-              </a:rPr>
-              <a:t> </a:t>
-            </a:r>
-            <a:r>
-              <a:rPr lang="de-DE" dirty="0" err="1">
-                <a:solidFill>
-                  <a:srgbClr val="FFFFFF"/>
-                </a:solidFill>
-                <a:ea typeface="Calibri"/>
-                <a:cs typeface="Calibri"/>
-              </a:rPr>
-              <a:t>ou</a:t>
-            </a:r>
-            <a:r>
-              <a:rPr lang="de-DE" dirty="0">
-                <a:solidFill>
-                  <a:srgbClr val="FFFFFF"/>
-                </a:solidFill>
-                <a:ea typeface="Calibri"/>
-                <a:cs typeface="Calibri"/>
-              </a:rPr>
-              <a:t> </a:t>
-            </a:r>
-            <a:r>
-              <a:rPr lang="de-DE" dirty="0" err="1">
-                <a:solidFill>
-                  <a:srgbClr val="FFFFFF"/>
-                </a:solidFill>
-                <a:ea typeface="Calibri"/>
-                <a:cs typeface="Calibri"/>
-              </a:rPr>
-              <a:t>módulos</a:t>
-            </a:r>
-            <a:r>
-              <a:rPr lang="de-DE" dirty="0">
-                <a:solidFill>
-                  <a:srgbClr val="FFFFFF"/>
-                </a:solidFill>
-                <a:ea typeface="Calibri"/>
-                <a:cs typeface="Calibri"/>
-              </a:rPr>
-              <a:t> (</a:t>
-            </a:r>
-            <a:r>
-              <a:rPr lang="de-DE" dirty="0" err="1">
-                <a:solidFill>
-                  <a:srgbClr val="FFFFFF"/>
-                </a:solidFill>
-                <a:ea typeface="Calibri"/>
-                <a:cs typeface="Calibri"/>
-              </a:rPr>
-              <a:t>ou</a:t>
-            </a:r>
-            <a:r>
-              <a:rPr lang="de-DE" dirty="0">
-                <a:solidFill>
-                  <a:srgbClr val="FFFFFF"/>
-                </a:solidFill>
-                <a:ea typeface="Calibri"/>
-                <a:cs typeface="Calibri"/>
-              </a:rPr>
-              <a:t> "</a:t>
-            </a:r>
-            <a:r>
-              <a:rPr lang="de-DE" dirty="0" err="1">
-                <a:solidFill>
-                  <a:srgbClr val="FFFFFF"/>
-                </a:solidFill>
-                <a:ea typeface="Calibri"/>
-                <a:cs typeface="Calibri"/>
-              </a:rPr>
-              <a:t>unidades</a:t>
-            </a:r>
-            <a:r>
-              <a:rPr lang="de-DE" dirty="0">
-                <a:solidFill>
-                  <a:srgbClr val="FFFFFF"/>
-                </a:solidFill>
-                <a:ea typeface="Calibri"/>
-                <a:cs typeface="Calibri"/>
-              </a:rPr>
-              <a:t>") </a:t>
-            </a:r>
-            <a:r>
-              <a:rPr lang="de-DE" dirty="0" err="1">
-                <a:solidFill>
-                  <a:srgbClr val="FFFFFF"/>
-                </a:solidFill>
-                <a:ea typeface="Calibri"/>
-                <a:cs typeface="Calibri"/>
-              </a:rPr>
-              <a:t>que</a:t>
-            </a:r>
-            <a:r>
-              <a:rPr lang="de-DE" dirty="0">
-                <a:solidFill>
-                  <a:srgbClr val="FFFFFF"/>
-                </a:solidFill>
-                <a:ea typeface="Calibri"/>
-                <a:cs typeface="Calibri"/>
-              </a:rPr>
-              <a:t> </a:t>
-            </a:r>
-            <a:r>
-              <a:rPr lang="de-DE" dirty="0" err="1">
-                <a:solidFill>
-                  <a:srgbClr val="FFFFFF"/>
-                </a:solidFill>
-                <a:ea typeface="Calibri"/>
-                <a:cs typeface="Calibri"/>
-              </a:rPr>
-              <a:t>compõem</a:t>
-            </a:r>
-            <a:r>
-              <a:rPr lang="de-DE" dirty="0">
-                <a:solidFill>
-                  <a:srgbClr val="FFFFFF"/>
-                </a:solidFill>
-                <a:ea typeface="Calibri"/>
-                <a:cs typeface="Calibri"/>
-              </a:rPr>
-              <a:t> um </a:t>
-            </a:r>
-            <a:r>
-              <a:rPr lang="de-DE" dirty="0" err="1">
-                <a:solidFill>
-                  <a:srgbClr val="FFFFFF"/>
-                </a:solidFill>
-                <a:ea typeface="Calibri"/>
-                <a:cs typeface="Calibri"/>
-              </a:rPr>
-              <a:t>sistema</a:t>
-            </a:r>
-            <a:r>
-              <a:rPr lang="de-DE" dirty="0">
-                <a:solidFill>
-                  <a:srgbClr val="FFFFFF"/>
-                </a:solidFill>
-                <a:ea typeface="Calibri"/>
-                <a:cs typeface="Calibri"/>
-              </a:rPr>
-              <a:t> e se </a:t>
-            </a:r>
-            <a:r>
-              <a:rPr lang="de-DE" dirty="0" err="1">
-                <a:solidFill>
-                  <a:srgbClr val="FFFFFF"/>
-                </a:solidFill>
-                <a:ea typeface="Calibri"/>
-                <a:cs typeface="Calibri"/>
-              </a:rPr>
-              <a:t>foram</a:t>
-            </a:r>
-            <a:r>
-              <a:rPr lang="de-DE" dirty="0">
-                <a:solidFill>
-                  <a:srgbClr val="FFFFFF"/>
-                </a:solidFill>
-                <a:ea typeface="Calibri"/>
-                <a:cs typeface="Calibri"/>
-              </a:rPr>
-              <a:t> </a:t>
-            </a:r>
-            <a:r>
-              <a:rPr lang="de-DE" dirty="0" err="1">
-                <a:solidFill>
-                  <a:srgbClr val="FFFFFF"/>
-                </a:solidFill>
-                <a:ea typeface="Calibri"/>
-                <a:cs typeface="Calibri"/>
-              </a:rPr>
-              <a:t>introduzidos</a:t>
-            </a:r>
-            <a:r>
-              <a:rPr lang="de-DE" dirty="0">
-                <a:solidFill>
-                  <a:srgbClr val="FFFFFF"/>
-                </a:solidFill>
-                <a:ea typeface="Calibri"/>
-                <a:cs typeface="Calibri"/>
-              </a:rPr>
-              <a:t> </a:t>
-            </a:r>
-            <a:r>
-              <a:rPr lang="de-DE" dirty="0" err="1">
-                <a:solidFill>
-                  <a:srgbClr val="FFFFFF"/>
-                </a:solidFill>
-                <a:ea typeface="Calibri"/>
-                <a:cs typeface="Calibri"/>
-              </a:rPr>
-              <a:t>erros</a:t>
-            </a:r>
-            <a:r>
-              <a:rPr lang="de-DE" dirty="0">
-                <a:solidFill>
-                  <a:srgbClr val="FFFFFF"/>
-                </a:solidFill>
-                <a:ea typeface="Calibri"/>
-                <a:cs typeface="Calibri"/>
-              </a:rPr>
-              <a:t> </a:t>
-            </a:r>
-            <a:r>
-              <a:rPr lang="de-DE" dirty="0" err="1">
-                <a:solidFill>
-                  <a:srgbClr val="FFFFFF"/>
-                </a:solidFill>
-                <a:ea typeface="Calibri"/>
-                <a:cs typeface="Calibri"/>
-              </a:rPr>
-              <a:t>nessa</a:t>
-            </a:r>
-            <a:r>
-              <a:rPr lang="de-DE" dirty="0">
-                <a:solidFill>
-                  <a:srgbClr val="FFFFFF"/>
-                </a:solidFill>
-                <a:ea typeface="Calibri"/>
-                <a:cs typeface="Calibri"/>
-              </a:rPr>
-              <a:t> </a:t>
-            </a:r>
-            <a:r>
-              <a:rPr lang="de-DE" dirty="0" err="1">
-                <a:solidFill>
-                  <a:srgbClr val="FFFFFF"/>
-                </a:solidFill>
-                <a:ea typeface="Calibri"/>
-                <a:cs typeface="Calibri"/>
-              </a:rPr>
-              <a:t>unidade</a:t>
-            </a:r>
-            <a:r>
-              <a:rPr lang="de-DE" dirty="0">
-                <a:solidFill>
-                  <a:srgbClr val="FFFFFF"/>
-                </a:solidFill>
-                <a:ea typeface="Calibri"/>
-                <a:cs typeface="Calibri"/>
-              </a:rPr>
-              <a:t> individual.</a:t>
-            </a:r>
-            <a:endParaRPr lang="de-DE">
-              <a:solidFill>
-                <a:srgbClr val="000000"/>
-              </a:solidFill>
-              <a:ea typeface="Calibri"/>
-              <a:cs typeface="Calibri"/>
-            </a:endParaRPr>
-          </a:p>
-          <a:p>
-            <a:endParaRPr lang="de-DE" sz="2000" dirty="0">
-              <a:solidFill>
-                <a:srgbClr val="000000"/>
-              </a:solidFill>
-              <a:ea typeface="Calibri"/>
-              <a:cs typeface="Calibri"/>
-            </a:endParaRPr>
-          </a:p>
-          <a:p>
-            <a:r>
-              <a:rPr lang="de-DE" dirty="0" err="1">
-                <a:solidFill>
-                  <a:srgbClr val="FFFFFF"/>
-                </a:solidFill>
-                <a:ea typeface="Calibri"/>
-                <a:cs typeface="Calibri"/>
-              </a:rPr>
-              <a:t>Exemplo</a:t>
-            </a:r>
-            <a:r>
-              <a:rPr lang="de-DE" dirty="0">
-                <a:solidFill>
-                  <a:srgbClr val="FFFFFF"/>
-                </a:solidFill>
-                <a:ea typeface="Calibri"/>
-                <a:cs typeface="Calibri"/>
-              </a:rPr>
-              <a:t>: </a:t>
-            </a:r>
-            <a:r>
-              <a:rPr lang="de-DE" dirty="0" err="1">
-                <a:solidFill>
-                  <a:srgbClr val="FFFFFF"/>
-                </a:solidFill>
-                <a:ea typeface="Calibri"/>
-                <a:cs typeface="Calibri"/>
-              </a:rPr>
-              <a:t>os</a:t>
-            </a:r>
-            <a:r>
-              <a:rPr lang="de-DE" dirty="0">
-                <a:solidFill>
-                  <a:srgbClr val="FFFFFF"/>
-                </a:solidFill>
-                <a:ea typeface="Calibri"/>
-                <a:cs typeface="Calibri"/>
-              </a:rPr>
-              <a:t> </a:t>
-            </a:r>
-            <a:r>
-              <a:rPr lang="de-DE" dirty="0" err="1">
-                <a:solidFill>
-                  <a:srgbClr val="FFFFFF"/>
-                </a:solidFill>
-                <a:ea typeface="Calibri"/>
-                <a:cs typeface="Calibri"/>
-              </a:rPr>
-              <a:t>desenvolvedores</a:t>
-            </a:r>
-            <a:r>
-              <a:rPr lang="de-DE" dirty="0">
-                <a:solidFill>
-                  <a:srgbClr val="FFFFFF"/>
-                </a:solidFill>
-                <a:ea typeface="Calibri"/>
-                <a:cs typeface="Calibri"/>
-              </a:rPr>
-              <a:t> </a:t>
-            </a:r>
-            <a:r>
-              <a:rPr lang="de-DE" dirty="0" err="1">
-                <a:solidFill>
-                  <a:srgbClr val="FFFFFF"/>
-                </a:solidFill>
-                <a:ea typeface="Calibri"/>
-                <a:cs typeface="Calibri"/>
-              </a:rPr>
-              <a:t>podem</a:t>
-            </a:r>
-            <a:r>
-              <a:rPr lang="de-DE" dirty="0">
-                <a:solidFill>
-                  <a:srgbClr val="FFFFFF"/>
-                </a:solidFill>
-                <a:ea typeface="Calibri"/>
-                <a:cs typeface="Calibri"/>
-              </a:rPr>
-              <a:t> </a:t>
-            </a:r>
-            <a:r>
-              <a:rPr lang="de-DE" dirty="0" err="1">
-                <a:solidFill>
-                  <a:srgbClr val="FFFFFF"/>
-                </a:solidFill>
-                <a:ea typeface="Calibri"/>
-                <a:cs typeface="Calibri"/>
-              </a:rPr>
-              <a:t>decidir</a:t>
-            </a:r>
-            <a:r>
-              <a:rPr lang="de-DE" dirty="0">
-                <a:solidFill>
-                  <a:srgbClr val="FFFFFF"/>
-                </a:solidFill>
-                <a:ea typeface="Calibri"/>
-                <a:cs typeface="Calibri"/>
-              </a:rPr>
-              <a:t> </a:t>
-            </a:r>
-            <a:r>
-              <a:rPr lang="de-DE" dirty="0" err="1">
-                <a:solidFill>
-                  <a:srgbClr val="FFFFFF"/>
-                </a:solidFill>
-                <a:ea typeface="Calibri"/>
-                <a:cs typeface="Calibri"/>
-              </a:rPr>
-              <a:t>pela</a:t>
-            </a:r>
-            <a:r>
-              <a:rPr lang="de-DE" dirty="0">
-                <a:solidFill>
-                  <a:srgbClr val="FFFFFF"/>
-                </a:solidFill>
-                <a:ea typeface="Calibri"/>
-                <a:cs typeface="Calibri"/>
-              </a:rPr>
-              <a:t> </a:t>
-            </a:r>
-            <a:r>
-              <a:rPr lang="de-DE" dirty="0" err="1">
-                <a:solidFill>
-                  <a:srgbClr val="FFFFFF"/>
-                </a:solidFill>
-                <a:ea typeface="Calibri"/>
-                <a:cs typeface="Calibri"/>
-              </a:rPr>
-              <a:t>inclusão</a:t>
-            </a:r>
-            <a:r>
-              <a:rPr lang="de-DE" dirty="0">
-                <a:solidFill>
-                  <a:srgbClr val="FFFFFF"/>
-                </a:solidFill>
-                <a:ea typeface="Calibri"/>
-                <a:cs typeface="Calibri"/>
-              </a:rPr>
-              <a:t> de </a:t>
-            </a:r>
-            <a:r>
-              <a:rPr lang="de-DE" dirty="0" err="1">
-                <a:solidFill>
-                  <a:srgbClr val="FFFFFF"/>
-                </a:solidFill>
-                <a:ea typeface="Calibri"/>
-                <a:cs typeface="Calibri"/>
-              </a:rPr>
-              <a:t>uma</a:t>
-            </a:r>
-            <a:r>
-              <a:rPr lang="de-DE" dirty="0">
-                <a:solidFill>
-                  <a:srgbClr val="FFFFFF"/>
-                </a:solidFill>
-                <a:ea typeface="Calibri"/>
-                <a:cs typeface="Calibri"/>
-              </a:rPr>
-              <a:t> </a:t>
-            </a:r>
-            <a:r>
-              <a:rPr lang="de-DE" dirty="0" err="1">
-                <a:solidFill>
-                  <a:srgbClr val="FFFFFF"/>
-                </a:solidFill>
-                <a:ea typeface="Calibri"/>
-                <a:cs typeface="Calibri"/>
-              </a:rPr>
-              <a:t>funcionalidade</a:t>
-            </a:r>
-            <a:r>
-              <a:rPr lang="de-DE" dirty="0">
-                <a:solidFill>
-                  <a:srgbClr val="FFFFFF"/>
-                </a:solidFill>
-                <a:ea typeface="Calibri"/>
-                <a:cs typeface="Calibri"/>
-              </a:rPr>
-              <a:t> "</a:t>
-            </a:r>
-            <a:r>
-              <a:rPr lang="de-DE" dirty="0" err="1">
-                <a:solidFill>
-                  <a:srgbClr val="FFFFFF"/>
-                </a:solidFill>
-                <a:ea typeface="Calibri"/>
-                <a:cs typeface="Calibri"/>
-              </a:rPr>
-              <a:t>Esqueceu</a:t>
-            </a:r>
-            <a:r>
-              <a:rPr lang="de-DE" dirty="0">
-                <a:solidFill>
-                  <a:srgbClr val="FFFFFF"/>
-                </a:solidFill>
-                <a:ea typeface="Calibri"/>
-                <a:cs typeface="Calibri"/>
-              </a:rPr>
-              <a:t> a </a:t>
-            </a:r>
-            <a:r>
-              <a:rPr lang="de-DE" dirty="0" err="1">
-                <a:solidFill>
-                  <a:srgbClr val="FFFFFF"/>
-                </a:solidFill>
-                <a:ea typeface="Calibri"/>
-                <a:cs typeface="Calibri"/>
-              </a:rPr>
-              <a:t>senha</a:t>
-            </a:r>
-            <a:r>
-              <a:rPr lang="de-DE" dirty="0">
-                <a:solidFill>
-                  <a:srgbClr val="FFFFFF"/>
-                </a:solidFill>
-                <a:ea typeface="Calibri"/>
-                <a:cs typeface="Calibri"/>
-              </a:rPr>
-              <a:t>" </a:t>
-            </a:r>
-            <a:r>
-              <a:rPr lang="de-DE" dirty="0" err="1">
-                <a:solidFill>
-                  <a:srgbClr val="FFFFFF"/>
-                </a:solidFill>
-                <a:ea typeface="Calibri"/>
-                <a:cs typeface="Calibri"/>
-              </a:rPr>
-              <a:t>em</a:t>
-            </a:r>
-            <a:r>
-              <a:rPr lang="de-DE" dirty="0">
-                <a:solidFill>
-                  <a:srgbClr val="FFFFFF"/>
-                </a:solidFill>
-                <a:ea typeface="Calibri"/>
-                <a:cs typeface="Calibri"/>
-              </a:rPr>
-              <a:t> um </a:t>
-            </a:r>
-            <a:r>
-              <a:rPr lang="de-DE" dirty="0" err="1">
-                <a:solidFill>
-                  <a:srgbClr val="FFFFFF"/>
-                </a:solidFill>
-                <a:ea typeface="Calibri"/>
-                <a:cs typeface="Calibri"/>
-              </a:rPr>
-              <a:t>site</a:t>
-            </a:r>
-            <a:r>
-              <a:rPr lang="de-DE" dirty="0">
-                <a:solidFill>
-                  <a:srgbClr val="FFFFFF"/>
-                </a:solidFill>
-                <a:ea typeface="Calibri"/>
-                <a:cs typeface="Calibri"/>
-              </a:rPr>
-              <a:t>. Um teste de </a:t>
-            </a:r>
-            <a:r>
-              <a:rPr lang="de-DE" dirty="0" err="1">
-                <a:solidFill>
-                  <a:srgbClr val="FFFFFF"/>
-                </a:solidFill>
-                <a:ea typeface="Calibri"/>
-                <a:cs typeface="Calibri"/>
-              </a:rPr>
-              <a:t>regressão</a:t>
-            </a:r>
-            <a:r>
-              <a:rPr lang="de-DE" dirty="0">
-                <a:solidFill>
-                  <a:srgbClr val="FFFFFF"/>
-                </a:solidFill>
-                <a:ea typeface="Calibri"/>
-                <a:cs typeface="Calibri"/>
-              </a:rPr>
-              <a:t> de </a:t>
-            </a:r>
-            <a:r>
-              <a:rPr lang="de-DE" dirty="0" err="1">
-                <a:solidFill>
-                  <a:srgbClr val="FFFFFF"/>
-                </a:solidFill>
-                <a:ea typeface="Calibri"/>
-                <a:cs typeface="Calibri"/>
-              </a:rPr>
-              <a:t>unidade</a:t>
-            </a:r>
-            <a:r>
-              <a:rPr lang="de-DE" dirty="0">
-                <a:solidFill>
-                  <a:srgbClr val="FFFFFF"/>
-                </a:solidFill>
-                <a:ea typeface="Calibri"/>
-                <a:cs typeface="Calibri"/>
-              </a:rPr>
-              <a:t> </a:t>
-            </a:r>
-            <a:r>
-              <a:rPr lang="de-DE" dirty="0" err="1">
-                <a:solidFill>
-                  <a:srgbClr val="FFFFFF"/>
-                </a:solidFill>
-                <a:ea typeface="Calibri"/>
-                <a:cs typeface="Calibri"/>
-              </a:rPr>
-              <a:t>verificaria</a:t>
-            </a:r>
-            <a:r>
-              <a:rPr lang="de-DE" dirty="0">
-                <a:solidFill>
-                  <a:srgbClr val="FFFFFF"/>
-                </a:solidFill>
-                <a:ea typeface="Calibri"/>
-                <a:cs typeface="Calibri"/>
-              </a:rPr>
-              <a:t> se o </a:t>
-            </a:r>
-            <a:r>
-              <a:rPr lang="de-DE" dirty="0" err="1">
-                <a:solidFill>
-                  <a:srgbClr val="FFFFFF"/>
-                </a:solidFill>
-                <a:ea typeface="Calibri"/>
-                <a:cs typeface="Calibri"/>
-              </a:rPr>
-              <a:t>mecanismo</a:t>
-            </a:r>
-            <a:r>
-              <a:rPr lang="de-DE" dirty="0">
-                <a:solidFill>
-                  <a:srgbClr val="FFFFFF"/>
-                </a:solidFill>
-                <a:ea typeface="Calibri"/>
-                <a:cs typeface="Calibri"/>
-              </a:rPr>
-              <a:t> de </a:t>
-            </a:r>
-            <a:r>
-              <a:rPr lang="de-DE" dirty="0" err="1">
-                <a:solidFill>
-                  <a:srgbClr val="FFFFFF"/>
-                </a:solidFill>
-                <a:ea typeface="Calibri"/>
-                <a:cs typeface="Calibri"/>
-              </a:rPr>
-              <a:t>login</a:t>
-            </a:r>
-            <a:r>
-              <a:rPr lang="de-DE" dirty="0">
-                <a:solidFill>
-                  <a:srgbClr val="FFFFFF"/>
-                </a:solidFill>
-                <a:ea typeface="Calibri"/>
-                <a:cs typeface="Calibri"/>
-              </a:rPr>
-              <a:t> original continua </a:t>
-            </a:r>
-            <a:r>
-              <a:rPr lang="de-DE" dirty="0" err="1">
-                <a:solidFill>
-                  <a:srgbClr val="FFFFFF"/>
-                </a:solidFill>
-                <a:ea typeface="Calibri"/>
-                <a:cs typeface="Calibri"/>
-              </a:rPr>
-              <a:t>funcionando</a:t>
-            </a:r>
-            <a:r>
-              <a:rPr lang="de-DE" dirty="0">
-                <a:solidFill>
-                  <a:srgbClr val="FFFFFF"/>
-                </a:solidFill>
-                <a:ea typeface="Calibri"/>
-                <a:cs typeface="Calibri"/>
-              </a:rPr>
-              <a:t> </a:t>
-            </a:r>
-            <a:r>
-              <a:rPr lang="de-DE" dirty="0" err="1">
-                <a:solidFill>
-                  <a:srgbClr val="FFFFFF"/>
-                </a:solidFill>
-                <a:ea typeface="Calibri"/>
-                <a:cs typeface="Calibri"/>
-              </a:rPr>
-              <a:t>conforme</a:t>
-            </a:r>
-            <a:r>
-              <a:rPr lang="de-DE" dirty="0">
-                <a:solidFill>
-                  <a:srgbClr val="FFFFFF"/>
-                </a:solidFill>
-                <a:ea typeface="Calibri"/>
-                <a:cs typeface="Calibri"/>
-              </a:rPr>
-              <a:t> o </a:t>
-            </a:r>
-            <a:r>
-              <a:rPr lang="de-DE" dirty="0" err="1">
-                <a:solidFill>
-                  <a:srgbClr val="FFFFFF"/>
-                </a:solidFill>
-                <a:ea typeface="Calibri"/>
-                <a:cs typeface="Calibri"/>
-              </a:rPr>
-              <a:t>esperado</a:t>
-            </a:r>
-            <a:r>
-              <a:rPr lang="de-DE" dirty="0">
-                <a:solidFill>
-                  <a:srgbClr val="FFFFFF"/>
-                </a:solidFill>
-                <a:ea typeface="Calibri"/>
-                <a:cs typeface="Calibri"/>
-              </a:rPr>
-              <a:t>, </a:t>
-            </a:r>
-            <a:r>
-              <a:rPr lang="de-DE" dirty="0" err="1">
-                <a:solidFill>
-                  <a:srgbClr val="FFFFFF"/>
-                </a:solidFill>
-                <a:ea typeface="Calibri"/>
-                <a:cs typeface="Calibri"/>
-              </a:rPr>
-              <a:t>apesar</a:t>
-            </a:r>
-            <a:r>
-              <a:rPr lang="de-DE" dirty="0">
-                <a:solidFill>
-                  <a:srgbClr val="FFFFFF"/>
-                </a:solidFill>
-                <a:ea typeface="Calibri"/>
-                <a:cs typeface="Calibri"/>
-              </a:rPr>
-              <a:t> da </a:t>
-            </a:r>
-            <a:r>
-              <a:rPr lang="de-DE" dirty="0" err="1">
-                <a:solidFill>
-                  <a:srgbClr val="FFFFFF"/>
-                </a:solidFill>
-                <a:ea typeface="Calibri"/>
-                <a:cs typeface="Calibri"/>
-              </a:rPr>
-              <a:t>função</a:t>
-            </a:r>
-            <a:r>
-              <a:rPr lang="de-DE" dirty="0">
-                <a:solidFill>
-                  <a:srgbClr val="FFFFFF"/>
-                </a:solidFill>
-                <a:ea typeface="Calibri"/>
-                <a:cs typeface="Calibri"/>
-              </a:rPr>
-              <a:t> </a:t>
-            </a:r>
-            <a:r>
-              <a:rPr lang="de-DE">
-                <a:solidFill>
-                  <a:srgbClr val="FFFFFF"/>
-                </a:solidFill>
-                <a:ea typeface="Calibri"/>
-                <a:cs typeface="Calibri"/>
-              </a:rPr>
-              <a:t>adicional.</a:t>
-            </a:r>
-            <a:endParaRPr lang="de-DE"/>
-          </a:p>
-          <a:p>
+              <a:t>Garante que cada componente continue funcionando corretamente após mudanças.</a:t>
+            </a:r>
             <a:endParaRPr lang="de-DE" dirty="0">
               <a:solidFill>
-                <a:srgbClr val="FFFFFF"/>
+                <a:schemeClr val="bg1"/>
               </a:solidFill>
               <a:ea typeface="Calibri"/>
               <a:cs typeface="Calibri"/>
